--- a/employee_attrition.pptx
+++ b/employee_attrition.pptx
@@ -274,7 +274,7 @@
           <a:p>
             <a:fld id="{C07299BE-0F96-4D8C-8AC3-AFAE1A841C66}" type="datetimeFigureOut">
               <a:rPr lang="en-US" smtClean="0"/>
-              <a:t>Wed, 2019-11-27</a:t>
+              <a:t>Thu, 2019-11-28</a:t>
             </a:fld>
             <a:endParaRPr lang="en-US" dirty="0"/>
           </a:p>
@@ -451,7 +451,7 @@
           <a:p>
             <a:fld id="{454692AC-01A2-4EFF-966B-504F28E82D7A}" type="datetimeFigureOut">
               <a:rPr lang="en-US" noProof="0" smtClean="0"/>
-              <a:t>Wed, 2019-11-27</a:t>
+              <a:t>Thu, 2019-11-28</a:t>
             </a:fld>
             <a:endParaRPr lang="en-US" noProof="0" dirty="0"/>
           </a:p>
@@ -1973,7 +1973,7 @@
           <a:p>
             <a:fld id="{D96A7EE9-F079-4AED-9858-DCD74447B2DE}" type="datetime1">
               <a:rPr lang="en-US" smtClean="0"/>
-              <a:t>Wed, 2019-11-27</a:t>
+              <a:t>Thu, 2019-11-28</a:t>
             </a:fld>
             <a:endParaRPr lang="en-US" dirty="0"/>
           </a:p>
@@ -2342,7 +2342,7 @@
           <a:p>
             <a:fld id="{397F0DEF-140C-43BE-9FE2-8C6F0F16B2BD}" type="datetime1">
               <a:rPr lang="en-US" smtClean="0"/>
-              <a:t>Wed, 2019-11-27</a:t>
+              <a:t>Thu, 2019-11-28</a:t>
             </a:fld>
             <a:endParaRPr lang="en-US" dirty="0"/>
           </a:p>
@@ -2899,7 +2899,7 @@
           <a:p>
             <a:fld id="{9071F196-4D99-4CA1-AF3D-D9270AA86530}" type="datetime1">
               <a:rPr lang="en-US" smtClean="0"/>
-              <a:t>Wed, 2019-11-27</a:t>
+              <a:t>Thu, 2019-11-28</a:t>
             </a:fld>
             <a:endParaRPr lang="en-US" dirty="0"/>
           </a:p>
@@ -3255,7 +3255,7 @@
           <a:p>
             <a:fld id="{CB475C95-6709-4448-8164-8B465DDBFDB6}" type="datetime1">
               <a:rPr lang="en-US" smtClean="0"/>
-              <a:t>Wed, 2019-11-27</a:t>
+              <a:t>Thu, 2019-11-28</a:t>
             </a:fld>
             <a:endParaRPr lang="en-US" dirty="0"/>
           </a:p>
@@ -3625,7 +3625,7 @@
           <a:p>
             <a:fld id="{660C3818-5B7F-4F38-B42C-7D48EDABA17E}" type="datetime1">
               <a:rPr lang="en-US" smtClean="0"/>
-              <a:t>Wed, 2019-11-27</a:t>
+              <a:t>Thu, 2019-11-28</a:t>
             </a:fld>
             <a:endParaRPr lang="en-US" dirty="0"/>
           </a:p>
@@ -3793,7 +3793,7 @@
           <a:p>
             <a:fld id="{6055A408-237F-4430-903D-49994B8E1677}" type="datetime1">
               <a:rPr lang="en-US" smtClean="0"/>
-              <a:t>Wed, 2019-11-27</a:t>
+              <a:t>Thu, 2019-11-28</a:t>
             </a:fld>
             <a:endParaRPr lang="en-US" dirty="0"/>
           </a:p>
@@ -4218,7 +4218,7 @@
           <a:p>
             <a:fld id="{274C8CE4-6594-4434-AA7B-C5DDAFBE02A0}" type="datetime1">
               <a:rPr lang="en-US" smtClean="0"/>
-              <a:t>Wed, 2019-11-27</a:t>
+              <a:t>Thu, 2019-11-28</a:t>
             </a:fld>
             <a:endParaRPr lang="en-US" dirty="0"/>
           </a:p>
@@ -4651,7 +4651,7 @@
           <a:p>
             <a:fld id="{903176FD-E365-4307-A1BF-FBA56929E02D}" type="datetime1">
               <a:rPr lang="en-US" smtClean="0"/>
-              <a:t>Wed, 2019-11-27</a:t>
+              <a:t>Thu, 2019-11-28</a:t>
             </a:fld>
             <a:endParaRPr lang="en-US" dirty="0"/>
           </a:p>
@@ -4852,7 +4852,7 @@
           <a:p>
             <a:fld id="{F1064CC3-3A25-40C5-8F52-C7B371775282}" type="datetime1">
               <a:rPr lang="en-US" smtClean="0"/>
-              <a:t>Wed, 2019-11-27</a:t>
+              <a:t>Thu, 2019-11-28</a:t>
             </a:fld>
             <a:endParaRPr lang="en-US" dirty="0"/>
           </a:p>
@@ -5446,7 +5446,7 @@
           <a:p>
             <a:fld id="{C6553904-8E92-4E81-A5F1-2FE23324A701}" type="datetime1">
               <a:rPr lang="en-US" smtClean="0"/>
-              <a:t>Wed, 2019-11-27</a:t>
+              <a:t>Thu, 2019-11-28</a:t>
             </a:fld>
             <a:endParaRPr lang="en-US" dirty="0"/>
           </a:p>
@@ -5585,7 +5585,7 @@
           <a:p>
             <a:fld id="{F6F61582-894B-4548-8F6A-77DD222024CA}" type="datetime1">
               <a:rPr lang="en-US" smtClean="0"/>
-              <a:t>Wed, 2019-11-27</a:t>
+              <a:t>Thu, 2019-11-28</a:t>
             </a:fld>
             <a:endParaRPr lang="en-US" dirty="0"/>
           </a:p>
@@ -5745,7 +5745,7 @@
           <a:p>
             <a:fld id="{1821FD72-49BE-4A27-B81D-6695ECD46A0C}" type="datetime1">
               <a:rPr lang="en-US" smtClean="0"/>
-              <a:t>Wed, 2019-11-27</a:t>
+              <a:t>Thu, 2019-11-28</a:t>
             </a:fld>
             <a:endParaRPr lang="en-US" dirty="0"/>
           </a:p>
@@ -6015,7 +6015,7 @@
           <a:p>
             <a:fld id="{BCE8B62D-7B77-49C5-A369-DA7962108BC9}" type="datetime1">
               <a:rPr lang="en-US" smtClean="0"/>
-              <a:t>Wed, 2019-11-27</a:t>
+              <a:t>Thu, 2019-11-28</a:t>
             </a:fld>
             <a:endParaRPr lang="en-US" dirty="0"/>
           </a:p>
@@ -6572,7 +6572,7 @@
           <a:blip r:embed="rId3">
             <a:extLst>
               <a:ext uri="{28A0092B-C50C-407E-A947-70E740481C1C}">
-                <a14:useLocalDpi xmlns:a14="http://schemas.microsoft.com/office/drawing/2010/main" val="0"/>
+                <a14:useLocalDpi xmlns:a14="http://schemas.microsoft.com/office/drawing/2010/main"/>
               </a:ext>
             </a:extLst>
           </a:blip>
@@ -6974,7 +6974,7 @@
             </a:r>
             <a:r>
               <a:rPr lang="en-SG" b="1" dirty="0"/>
-              <a:t>relationships </a:t>
+              <a:t>personal relationships </a:t>
             </a:r>
             <a:endParaRPr lang="en-SG" dirty="0"/>
           </a:p>
@@ -7042,7 +7042,7 @@
             </a:r>
             <a:r>
               <a:rPr lang="en-SG" b="1" dirty="0"/>
-              <a:t>engagement</a:t>
+              <a:t>employee engagement</a:t>
             </a:r>
           </a:p>
           <a:p>
@@ -7141,7 +7141,7 @@
             <a:alphaModFix amt="10000"/>
             <a:extLst>
               <a:ext uri="{28A0092B-C50C-407E-A947-70E740481C1C}">
-                <a14:useLocalDpi xmlns:a14="http://schemas.microsoft.com/office/drawing/2010/main" val="0"/>
+                <a14:useLocalDpi xmlns:a14="http://schemas.microsoft.com/office/drawing/2010/main"/>
               </a:ext>
             </a:extLst>
           </a:blip>
@@ -7204,7 +7204,13 @@
           <p:nvPr/>
         </p:nvPicPr>
         <p:blipFill>
-          <a:blip r:embed="rId4"/>
+          <a:blip r:embed="rId4" cstate="email">
+            <a:extLst>
+              <a:ext uri="{28A0092B-C50C-407E-A947-70E740481C1C}">
+                <a14:useLocalDpi xmlns:a14="http://schemas.microsoft.com/office/drawing/2010/main"/>
+              </a:ext>
+            </a:extLst>
+          </a:blip>
           <a:stretch>
             <a:fillRect/>
           </a:stretch>
@@ -7285,7 +7291,7 @@
         </p:nvSpPr>
         <p:spPr>
           <a:xfrm>
-            <a:off x="8598108" y="1775449"/>
+            <a:off x="8546514" y="1498773"/>
             <a:ext cx="1921405" cy="2209254"/>
           </a:xfrm>
           <a:prstGeom prst="rect">
@@ -7486,7 +7492,7 @@
         </p:nvSpPr>
         <p:spPr>
           <a:xfrm>
-            <a:off x="8613985" y="3211371"/>
+            <a:off x="8562391" y="2934695"/>
             <a:ext cx="1921405" cy="646331"/>
           </a:xfrm>
           <a:prstGeom prst="rect">
@@ -7664,7 +7670,7 @@
         </p:nvSpPr>
         <p:spPr>
           <a:xfrm>
-            <a:off x="8573371" y="1851169"/>
+            <a:off x="8521777" y="1574493"/>
             <a:ext cx="2002631" cy="1200329"/>
           </a:xfrm>
           <a:prstGeom prst="rect">
@@ -7818,6 +7824,96 @@
             <a:r>
               <a:rPr lang="en-SG" dirty="0"/>
               <a:t>Out of all 47 attrition employees, 68.1% of them will be classified correctly based on their background and characteristics</a:t>
+            </a:r>
+          </a:p>
+        </p:txBody>
+      </p:sp>
+      <p:sp>
+        <p:nvSpPr>
+          <p:cNvPr id="35" name="Rectangle 34">
+            <a:extLst>
+              <a:ext uri="{FF2B5EF4-FFF2-40B4-BE49-F238E27FC236}">
+                <a16:creationId xmlns:a16="http://schemas.microsoft.com/office/drawing/2014/main" id="{5DFE3D1B-E53F-418A-93F6-11A8435ECBE8}"/>
+              </a:ext>
+            </a:extLst>
+          </p:cNvPr>
+          <p:cNvSpPr/>
+          <p:nvPr/>
+        </p:nvSpPr>
+        <p:spPr>
+          <a:xfrm>
+            <a:off x="8562392" y="3867130"/>
+            <a:ext cx="3380792" cy="717625"/>
+          </a:xfrm>
+          <a:prstGeom prst="rect">
+            <a:avLst/>
+          </a:prstGeom>
+          <a:solidFill>
+            <a:schemeClr val="bg2"/>
+          </a:solidFill>
+          <a:ln w="25400">
+            <a:noFill/>
+          </a:ln>
+        </p:spPr>
+        <p:style>
+          <a:lnRef idx="2">
+            <a:schemeClr val="accent1">
+              <a:shade val="50000"/>
+            </a:schemeClr>
+          </a:lnRef>
+          <a:fillRef idx="1">
+            <a:schemeClr val="accent1"/>
+          </a:fillRef>
+          <a:effectRef idx="0">
+            <a:schemeClr val="accent1"/>
+          </a:effectRef>
+          <a:fontRef idx="minor">
+            <a:schemeClr val="lt1"/>
+          </a:fontRef>
+        </p:style>
+        <p:txBody>
+          <a:bodyPr rtlCol="0" anchor="ctr"/>
+          <a:lstStyle/>
+          <a:p>
+            <a:pPr algn="ctr"/>
+            <a:endParaRPr lang="en-SG"/>
+          </a:p>
+        </p:txBody>
+      </p:sp>
+      <p:sp>
+        <p:nvSpPr>
+          <p:cNvPr id="36" name="Rectangle 35">
+            <a:extLst>
+              <a:ext uri="{FF2B5EF4-FFF2-40B4-BE49-F238E27FC236}">
+                <a16:creationId xmlns:a16="http://schemas.microsoft.com/office/drawing/2014/main" id="{8BFF9FE7-84AC-445F-9419-7B27868FE878}"/>
+              </a:ext>
+            </a:extLst>
+          </p:cNvPr>
+          <p:cNvSpPr/>
+          <p:nvPr/>
+        </p:nvSpPr>
+        <p:spPr>
+          <a:xfrm>
+            <a:off x="8587094" y="4036087"/>
+            <a:ext cx="3380792" cy="369332"/>
+          </a:xfrm>
+          <a:prstGeom prst="rect">
+            <a:avLst/>
+          </a:prstGeom>
+        </p:spPr>
+        <p:txBody>
+          <a:bodyPr wrap="square">
+            <a:spAutoFit/>
+          </a:bodyPr>
+          <a:lstStyle/>
+          <a:p>
+            <a:r>
+              <a:rPr lang="en-SG" b="1" dirty="0"/>
+              <a:t>Accuracy</a:t>
+            </a:r>
+            <a:r>
+              <a:rPr lang="en-SG" dirty="0"/>
+              <a:t> = (211+32)/294 = 82.7%</a:t>
             </a:r>
           </a:p>
         </p:txBody>
@@ -7963,7 +8059,7 @@
           <a:blip r:embed="rId3">
             <a:extLst>
               <a:ext uri="{28A0092B-C50C-407E-A947-70E740481C1C}">
-                <a14:useLocalDpi xmlns:a14="http://schemas.microsoft.com/office/drawing/2010/main" val="0"/>
+                <a14:useLocalDpi xmlns:a14="http://schemas.microsoft.com/office/drawing/2010/main"/>
               </a:ext>
             </a:extLst>
           </a:blip>
@@ -8808,8 +8904,8 @@
         </p:nvSpPr>
         <p:spPr>
           <a:xfrm>
-            <a:off x="8322442" y="1667441"/>
-            <a:ext cx="2606722" cy="646331"/>
+            <a:off x="8038782" y="1680253"/>
+            <a:ext cx="3538632" cy="646331"/>
           </a:xfrm>
           <a:prstGeom prst="rect">
             <a:avLst/>
@@ -8821,9 +8917,10 @@
           </a:bodyPr>
           <a:lstStyle/>
           <a:p>
-            <a:r>
-              <a:rPr lang="en-SG" dirty="0"/>
-              <a:t>Overtime seems to be a key factor to attrition</a:t>
+            <a:pPr algn="ctr"/>
+            <a:r>
+              <a:rPr lang="en-SG" dirty="0"/>
+              <a:t>Overtime seems to be a key factor leading to attrition</a:t>
             </a:r>
           </a:p>
         </p:txBody>
@@ -8842,7 +8939,7 @@
         </p:nvSpPr>
         <p:spPr>
           <a:xfrm>
-            <a:off x="518035" y="1761427"/>
+            <a:off x="1824958" y="1680252"/>
             <a:ext cx="3911361" cy="646331"/>
           </a:xfrm>
           <a:prstGeom prst="rect">
@@ -8855,6 +8952,7 @@
           </a:bodyPr>
           <a:lstStyle/>
           <a:p>
+            <a:pPr algn="ctr"/>
             <a:r>
               <a:rPr lang="en-SG" dirty="0"/>
               <a:t>Attrition seems to happen at every level regardless of employee hourly rate</a:t>
@@ -9659,8 +9757,14 @@
           <p:nvPr/>
         </p:nvPicPr>
         <p:blipFill rotWithShape="1">
-          <a:blip r:embed="rId4"/>
-          <a:srcRect b="3574"/>
+          <a:blip r:embed="rId4" cstate="email">
+            <a:extLst>
+              <a:ext uri="{28A0092B-C50C-407E-A947-70E740481C1C}">
+                <a14:useLocalDpi xmlns:a14="http://schemas.microsoft.com/office/drawing/2010/main"/>
+              </a:ext>
+            </a:extLst>
+          </a:blip>
+          <a:srcRect/>
           <a:stretch/>
         </p:blipFill>
         <p:spPr>
@@ -10147,7 +10251,13 @@
           <p:nvPr/>
         </p:nvPicPr>
         <p:blipFill>
-          <a:blip r:embed="rId3"/>
+          <a:blip r:embed="rId3" cstate="email">
+            <a:extLst>
+              <a:ext uri="{28A0092B-C50C-407E-A947-70E740481C1C}">
+                <a14:useLocalDpi xmlns:a14="http://schemas.microsoft.com/office/drawing/2010/main"/>
+              </a:ext>
+            </a:extLst>
+          </a:blip>
           <a:stretch>
             <a:fillRect/>
           </a:stretch>
@@ -10177,7 +10287,13 @@
           <p:nvPr/>
         </p:nvPicPr>
         <p:blipFill>
-          <a:blip r:embed="rId4"/>
+          <a:blip r:embed="rId4" cstate="email">
+            <a:extLst>
+              <a:ext uri="{28A0092B-C50C-407E-A947-70E740481C1C}">
+                <a14:useLocalDpi xmlns:a14="http://schemas.microsoft.com/office/drawing/2010/main"/>
+              </a:ext>
+            </a:extLst>
+          </a:blip>
           <a:stretch>
             <a:fillRect/>
           </a:stretch>
@@ -10616,7 +10732,13 @@
           <p:nvPr/>
         </p:nvPicPr>
         <p:blipFill>
-          <a:blip r:embed="rId3"/>
+          <a:blip r:embed="rId3" cstate="email">
+            <a:extLst>
+              <a:ext uri="{28A0092B-C50C-407E-A947-70E740481C1C}">
+                <a14:useLocalDpi xmlns:a14="http://schemas.microsoft.com/office/drawing/2010/main"/>
+              </a:ext>
+            </a:extLst>
+          </a:blip>
           <a:stretch>
             <a:fillRect/>
           </a:stretch>
@@ -10646,7 +10768,13 @@
           <p:nvPr/>
         </p:nvPicPr>
         <p:blipFill>
-          <a:blip r:embed="rId4"/>
+          <a:blip r:embed="rId4" cstate="email">
+            <a:extLst>
+              <a:ext uri="{28A0092B-C50C-407E-A947-70E740481C1C}">
+                <a14:useLocalDpi xmlns:a14="http://schemas.microsoft.com/office/drawing/2010/main"/>
+              </a:ext>
+            </a:extLst>
+          </a:blip>
           <a:stretch>
             <a:fillRect/>
           </a:stretch>
@@ -11720,6 +11848,15 @@
 </file>
 
 <file path=customXml/item2.xml><?xml version="1.0" encoding="utf-8"?>
+<?mso-contentType ?>
+<FormTemplates xmlns="http://schemas.microsoft.com/sharepoint/v3/contenttype/forms">
+  <Display>DocumentLibraryForm</Display>
+  <Edit>DocumentLibraryForm</Edit>
+  <New>DocumentLibraryForm</New>
+</FormTemplates>
+</file>
+
+<file path=customXml/item3.xml><?xml version="1.0" encoding="utf-8"?>
 <ct:contentTypeSchema xmlns:ct="http://schemas.microsoft.com/office/2006/metadata/contentType" xmlns:ma="http://schemas.microsoft.com/office/2006/metadata/properties/metaAttributes" ct:_="" ma:_="" ma:contentTypeName="Document" ma:contentTypeID="0x01010079F111ED35F8CC479449609E8A0923A6" ma:contentTypeVersion="12" ma:contentTypeDescription="Create a new document." ma:contentTypeScope="" ma:versionID="fa6e671f1cd7e4d96ff9652be322dd5e">
   <xsd:schema xmlns:xsd="http://www.w3.org/2001/XMLSchema" xmlns:xs="http://www.w3.org/2001/XMLSchema" xmlns:p="http://schemas.microsoft.com/office/2006/metadata/properties" xmlns:ns2="71af3243-3dd4-4a8d-8c0d-dd76da1f02a5" xmlns:ns3="16c05727-aa75-4e4a-9b5f-8a80a1165891" targetNamespace="http://schemas.microsoft.com/office/2006/metadata/properties" ma:root="true" ma:fieldsID="4e2496f70b101db0b8013f30a071bbf7" ns2:_="" ns3:_="">
     <xsd:import namespace="71af3243-3dd4-4a8d-8c0d-dd76da1f02a5"/>
@@ -11940,15 +12077,6 @@
 </ct:contentTypeSchema>
 </file>
 
-<file path=customXml/item3.xml><?xml version="1.0" encoding="utf-8"?>
-<?mso-contentType ?>
-<FormTemplates xmlns="http://schemas.microsoft.com/sharepoint/v3/contenttype/forms">
-  <Display>DocumentLibraryForm</Display>
-  <Edit>DocumentLibraryForm</Edit>
-  <New>DocumentLibraryForm</New>
-</FormTemplates>
-</file>
-
 <file path=customXml/itemProps1.xml><?xml version="1.0" encoding="utf-8"?>
 <ds:datastoreItem xmlns:ds="http://schemas.openxmlformats.org/officeDocument/2006/customXml" ds:itemID="{318F16D9-EB65-4F11-9CD9-58377B437CF8}">
   <ds:schemaRefs>
@@ -11960,6 +12088,14 @@
 </file>
 
 <file path=customXml/itemProps2.xml><?xml version="1.0" encoding="utf-8"?>
+<ds:datastoreItem xmlns:ds="http://schemas.openxmlformats.org/officeDocument/2006/customXml" ds:itemID="{9C65060F-1094-41F3-95E3-03DA10677CAD}">
+  <ds:schemaRefs>
+    <ds:schemaRef ds:uri="http://schemas.microsoft.com/sharepoint/v3/contenttype/forms"/>
+  </ds:schemaRefs>
+</ds:datastoreItem>
+</file>
+
+<file path=customXml/itemProps3.xml><?xml version="1.0" encoding="utf-8"?>
 <ds:datastoreItem xmlns:ds="http://schemas.openxmlformats.org/officeDocument/2006/customXml" ds:itemID="{1A09386F-CDB5-4CE9-AE70-AE4E53A63350}">
   <ds:schemaRefs>
     <ds:schemaRef ds:uri="http://schemas.microsoft.com/office/2006/metadata/contentType"/>
@@ -11976,12 +12112,4 @@
     <ds:schemaRef ds:uri="http://schemas.microsoft.com/internal/obd"/>
   </ds:schemaRefs>
 </ds:datastoreItem>
-</file>
-
-<file path=customXml/itemProps3.xml><?xml version="1.0" encoding="utf-8"?>
-<ds:datastoreItem xmlns:ds="http://schemas.openxmlformats.org/officeDocument/2006/customXml" ds:itemID="{9C65060F-1094-41F3-95E3-03DA10677CAD}">
-  <ds:schemaRefs>
-    <ds:schemaRef ds:uri="http://schemas.microsoft.com/sharepoint/v3/contenttype/forms"/>
-  </ds:schemaRefs>
-</ds:datastoreItem>
 </file>
--- a/employee_attrition.pptx
+++ b/employee_attrition.pptx
@@ -7083,6 +7083,44 @@
           </a:p>
         </p:txBody>
       </p:sp>
+      <p:sp>
+        <p:nvSpPr>
+          <p:cNvPr id="5" name="Rectangle 4">
+            <a:extLst>
+              <a:ext uri="{FF2B5EF4-FFF2-40B4-BE49-F238E27FC236}">
+                <a16:creationId xmlns:a16="http://schemas.microsoft.com/office/drawing/2014/main" id="{19A46B99-9F75-442C-8693-2CF232278C09}"/>
+              </a:ext>
+            </a:extLst>
+          </p:cNvPr>
+          <p:cNvSpPr/>
+          <p:nvPr/>
+        </p:nvSpPr>
+        <p:spPr>
+          <a:xfrm>
+            <a:off x="5689600" y="5014288"/>
+            <a:ext cx="5515394" cy="369332"/>
+          </a:xfrm>
+          <a:prstGeom prst="rect">
+            <a:avLst/>
+          </a:prstGeom>
+          <a:solidFill>
+            <a:srgbClr val="EDEDF4"/>
+          </a:solidFill>
+        </p:spPr>
+        <p:txBody>
+          <a:bodyPr wrap="square">
+            <a:spAutoFit/>
+          </a:bodyPr>
+          <a:lstStyle/>
+          <a:p>
+            <a:pPr algn="ctr"/>
+            <a:r>
+              <a:rPr lang="en-SG" dirty="0"/>
+              <a:t>Note: Results are only based on the hypothetical dataset</a:t>
+            </a:r>
+          </a:p>
+        </p:txBody>
+      </p:sp>
     </p:spTree>
     <p:extLst>
       <p:ext uri="{BB962C8B-B14F-4D97-AF65-F5344CB8AC3E}">
@@ -7823,7 +7861,7 @@
           <a:p>
             <a:r>
               <a:rPr lang="en-SG" dirty="0"/>
-              <a:t>Out of all 47 attrition employees, 68.1% of them will be classified correctly based on their background and characteristics</a:t>
+              <a:t>Out of all 47 attrition employees, 68.1% of them will be classified correctly using their background attributes and characteristics</a:t>
             </a:r>
           </a:p>
         </p:txBody>
@@ -8920,7 +8958,7 @@
             <a:pPr algn="ctr"/>
             <a:r>
               <a:rPr lang="en-SG" dirty="0"/>
-              <a:t>Overtime seems to be a key factor leading to attrition</a:t>
+              <a:t>Overtime could be a key factor leading to attrition</a:t>
             </a:r>
           </a:p>
         </p:txBody>
@@ -9111,12 +9149,16 @@
           <a:p>
             <a:r>
               <a:rPr lang="en-SG" dirty="0"/>
-              <a:t>· </a:t>
+              <a:t>· Extreme Gradient Boost (</a:t>
             </a:r>
             <a:r>
               <a:rPr lang="en-SG" dirty="0" err="1"/>
               <a:t>XGBoost</a:t>
             </a:r>
+            <a:r>
+              <a:rPr lang="en-SG" dirty="0"/>
+              <a:t>)</a:t>
+            </a:r>
             <a:br>
               <a:rPr lang="en-SG" dirty="0"/>
             </a:br>
@@ -9148,15 +9190,15 @@
         </p:nvSpPr>
         <p:spPr>
           <a:xfrm>
-            <a:off x="5155474" y="1360309"/>
-            <a:ext cx="6096000" cy="4801314"/>
+            <a:off x="5155473" y="1360309"/>
+            <a:ext cx="6739541" cy="4801314"/>
           </a:xfrm>
           <a:prstGeom prst="rect">
             <a:avLst/>
           </a:prstGeom>
         </p:spPr>
         <p:txBody>
-          <a:bodyPr>
+          <a:bodyPr wrap="square">
             <a:spAutoFit/>
           </a:bodyPr>
           <a:lstStyle/>
@@ -9191,7 +9233,7 @@
             </a:r>
             <a:r>
               <a:rPr lang="en-SG" dirty="0"/>
-              <a:t>proportion of correct predictions out of the whole dataset. Be careful when the target class is imbalance, for example, if a model predicts all flight passengers as non-terrorist, then the model would be 99.99% accurate.</a:t>
+              <a:t>proportion of correct predictions out of the whole dataset. Be careful when the target class is imbalance, for example, if a model predicts all flight passengers as non-terrorist, then the useless model would be 99.99% accurate.</a:t>
             </a:r>
             <a:br>
               <a:rPr lang="en-SG" dirty="0"/>
@@ -9257,7 +9299,7 @@
               <a:rPr lang="en-SG" dirty="0">
                 <a:latin typeface="medium-content-serif-font"/>
               </a:rPr>
-              <a:t>: optimised balance between Precision and Recall for binary targets.</a:t>
+              <a:t>: optimised balance between Precision and Recall for the selected relevant target.</a:t>
             </a:r>
             <a:br>
               <a:rPr lang="en-SG" dirty="0"/>
@@ -10919,6 +10961,44 @@
           <a:p>
             <a:pPr algn="ctr"/>
             <a:endParaRPr lang="en-SG"/>
+          </a:p>
+        </p:txBody>
+      </p:sp>
+      <p:sp>
+        <p:nvSpPr>
+          <p:cNvPr id="9" name="Rectangle 8">
+            <a:extLst>
+              <a:ext uri="{FF2B5EF4-FFF2-40B4-BE49-F238E27FC236}">
+                <a16:creationId xmlns:a16="http://schemas.microsoft.com/office/drawing/2014/main" id="{F2F88CD6-EDC3-4F7B-923A-140949A71447}"/>
+              </a:ext>
+            </a:extLst>
+          </p:cNvPr>
+          <p:cNvSpPr/>
+          <p:nvPr/>
+        </p:nvSpPr>
+        <p:spPr>
+          <a:xfrm>
+            <a:off x="3549530" y="4919953"/>
+            <a:ext cx="2925781" cy="646331"/>
+          </a:xfrm>
+          <a:prstGeom prst="rect">
+            <a:avLst/>
+          </a:prstGeom>
+          <a:solidFill>
+            <a:srgbClr val="EDEDF4"/>
+          </a:solidFill>
+        </p:spPr>
+        <p:txBody>
+          <a:bodyPr wrap="square">
+            <a:spAutoFit/>
+          </a:bodyPr>
+          <a:lstStyle/>
+          <a:p>
+            <a:pPr algn="ctr"/>
+            <a:r>
+              <a:rPr lang="en-SG" dirty="0"/>
+              <a:t>Best performing model: Random Forest Classifier</a:t>
+            </a:r>
           </a:p>
         </p:txBody>
       </p:sp>
@@ -11848,15 +11928,6 @@
 </file>
 
 <file path=customXml/item2.xml><?xml version="1.0" encoding="utf-8"?>
-<?mso-contentType ?>
-<FormTemplates xmlns="http://schemas.microsoft.com/sharepoint/v3/contenttype/forms">
-  <Display>DocumentLibraryForm</Display>
-  <Edit>DocumentLibraryForm</Edit>
-  <New>DocumentLibraryForm</New>
-</FormTemplates>
-</file>
-
-<file path=customXml/item3.xml><?xml version="1.0" encoding="utf-8"?>
 <ct:contentTypeSchema xmlns:ct="http://schemas.microsoft.com/office/2006/metadata/contentType" xmlns:ma="http://schemas.microsoft.com/office/2006/metadata/properties/metaAttributes" ct:_="" ma:_="" ma:contentTypeName="Document" ma:contentTypeID="0x01010079F111ED35F8CC479449609E8A0923A6" ma:contentTypeVersion="12" ma:contentTypeDescription="Create a new document." ma:contentTypeScope="" ma:versionID="fa6e671f1cd7e4d96ff9652be322dd5e">
   <xsd:schema xmlns:xsd="http://www.w3.org/2001/XMLSchema" xmlns:xs="http://www.w3.org/2001/XMLSchema" xmlns:p="http://schemas.microsoft.com/office/2006/metadata/properties" xmlns:ns2="71af3243-3dd4-4a8d-8c0d-dd76da1f02a5" xmlns:ns3="16c05727-aa75-4e4a-9b5f-8a80a1165891" targetNamespace="http://schemas.microsoft.com/office/2006/metadata/properties" ma:root="true" ma:fieldsID="4e2496f70b101db0b8013f30a071bbf7" ns2:_="" ns3:_="">
     <xsd:import namespace="71af3243-3dd4-4a8d-8c0d-dd76da1f02a5"/>
@@ -12077,6 +12148,15 @@
 </ct:contentTypeSchema>
 </file>
 
+<file path=customXml/item3.xml><?xml version="1.0" encoding="utf-8"?>
+<?mso-contentType ?>
+<FormTemplates xmlns="http://schemas.microsoft.com/sharepoint/v3/contenttype/forms">
+  <Display>DocumentLibraryForm</Display>
+  <Edit>DocumentLibraryForm</Edit>
+  <New>DocumentLibraryForm</New>
+</FormTemplates>
+</file>
+
 <file path=customXml/itemProps1.xml><?xml version="1.0" encoding="utf-8"?>
 <ds:datastoreItem xmlns:ds="http://schemas.openxmlformats.org/officeDocument/2006/customXml" ds:itemID="{318F16D9-EB65-4F11-9CD9-58377B437CF8}">
   <ds:schemaRefs>
@@ -12088,14 +12168,6 @@
 </file>
 
 <file path=customXml/itemProps2.xml><?xml version="1.0" encoding="utf-8"?>
-<ds:datastoreItem xmlns:ds="http://schemas.openxmlformats.org/officeDocument/2006/customXml" ds:itemID="{9C65060F-1094-41F3-95E3-03DA10677CAD}">
-  <ds:schemaRefs>
-    <ds:schemaRef ds:uri="http://schemas.microsoft.com/sharepoint/v3/contenttype/forms"/>
-  </ds:schemaRefs>
-</ds:datastoreItem>
-</file>
-
-<file path=customXml/itemProps3.xml><?xml version="1.0" encoding="utf-8"?>
 <ds:datastoreItem xmlns:ds="http://schemas.openxmlformats.org/officeDocument/2006/customXml" ds:itemID="{1A09386F-CDB5-4CE9-AE70-AE4E53A63350}">
   <ds:schemaRefs>
     <ds:schemaRef ds:uri="http://schemas.microsoft.com/office/2006/metadata/contentType"/>
@@ -12112,4 +12184,12 @@
     <ds:schemaRef ds:uri="http://schemas.microsoft.com/internal/obd"/>
   </ds:schemaRefs>
 </ds:datastoreItem>
+</file>
+
+<file path=customXml/itemProps3.xml><?xml version="1.0" encoding="utf-8"?>
+<ds:datastoreItem xmlns:ds="http://schemas.openxmlformats.org/officeDocument/2006/customXml" ds:itemID="{9C65060F-1094-41F3-95E3-03DA10677CAD}">
+  <ds:schemaRefs>
+    <ds:schemaRef ds:uri="http://schemas.microsoft.com/sharepoint/v3/contenttype/forms"/>
+  </ds:schemaRefs>
+</ds:datastoreItem>
 </file>